--- a/Presentation/DEMO_PENTAGON_FINAL.pptx
+++ b/Presentation/DEMO_PENTAGON_FINAL.pptx
@@ -123,10 +123,6 @@
     </p:ext>
   </p:extLst>
 </p:presentation>
-</file>
-
-<file path=ppt/revisionInfo.xml><?xml version="1.0" encoding="utf-8"?>
-<p1510:revInfo xmlns:a="http://schemas.openxmlformats.org/drawingml/2006/main" xmlns:r="http://schemas.openxmlformats.org/officeDocument/2006/relationships" xmlns:p1510="http://schemas.microsoft.com/office/powerpoint/2015/10/main"/>
 </file>
 
 <file path=ppt/ink/ink1.xml><?xml version="1.0" encoding="utf-8"?>
@@ -4661,13 +4657,18 @@
             <p:ph type="title"/>
           </p:nvPr>
         </p:nvSpPr>
-        <p:spPr/>
-        <p:txBody>
-          <a:bodyPr/>
-          <a:lstStyle/>
-          <a:p>
-            <a:r>
-              <a:rPr lang="en-US" dirty="0">
+        <p:spPr>
+          <a:xfrm>
+            <a:off x="838200" y="365125"/>
+            <a:ext cx="10515600" cy="1325563"/>
+          </a:xfrm>
+        </p:spPr>
+        <p:txBody>
+          <a:bodyPr/>
+          <a:lstStyle/>
+          <a:p>
+            <a:r>
+              <a:rPr lang="en-US">
                 <a:solidFill>
                   <a:schemeClr val="accent1">
                     <a:lumMod val="75000"/>
@@ -4676,6 +4677,13 @@
               </a:rPr>
               <a:t>Factory Pattern</a:t>
             </a:r>
+            <a:endParaRPr lang="en-US" dirty="0">
+              <a:solidFill>
+                <a:schemeClr val="accent1">
+                  <a:lumMod val="75000"/>
+                </a:schemeClr>
+              </a:solidFill>
+            </a:endParaRPr>
           </a:p>
         </p:txBody>
       </p:sp>
@@ -5104,7 +5112,12 @@
             <p:ph idx="1"/>
           </p:nvPr>
         </p:nvSpPr>
-        <p:spPr/>
+        <p:spPr>
+          <a:xfrm>
+            <a:off x="838200" y="1825625"/>
+            <a:ext cx="10515600" cy="4351338"/>
+          </a:xfrm>
+        </p:spPr>
         <p:txBody>
           <a:bodyPr/>
           <a:lstStyle/>
@@ -5145,7 +5158,7 @@
           <a:lstStyle/>
           <a:p>
             <a:r>
-              <a:rPr lang="en-US" dirty="0">
+              <a:rPr lang="en-US">
                 <a:solidFill>
                   <a:schemeClr val="accent1">
                     <a:lumMod val="75000"/>
@@ -5160,10 +5173,10 @@
       </p:sp>
       <p:pic>
         <p:nvPicPr>
-          <p:cNvPr id="2" name="Picture 1">
-            <a:extLst>
-              <a:ext uri="{FF2B5EF4-FFF2-40B4-BE49-F238E27FC236}">
-                <a16:creationId xmlns:a16="http://schemas.microsoft.com/office/drawing/2014/main" id="{AA7E740D-99EC-4F3A-B0DF-2D377DBCD8CB}"/>
+          <p:cNvPr id="5" name="Picture 4">
+            <a:extLst>
+              <a:ext uri="{FF2B5EF4-FFF2-40B4-BE49-F238E27FC236}">
+                <a16:creationId xmlns:a16="http://schemas.microsoft.com/office/drawing/2014/main" id="{B1AEFFBC-D308-4801-B533-E3F01C05CAF5}"/>
               </a:ext>
             </a:extLst>
           </p:cNvPr>
@@ -5180,8 +5193,8 @@
         </p:blipFill>
         <p:spPr>
           <a:xfrm>
-            <a:off x="838200" y="1261679"/>
-            <a:ext cx="10114961" cy="5479229"/>
+            <a:off x="2019859" y="1218588"/>
+            <a:ext cx="8289551" cy="5565411"/>
           </a:xfrm>
           <a:prstGeom prst="rect">
             <a:avLst/>
